--- a/Lesson2.pptx
+++ b/Lesson2.pptx
@@ -205,7 +205,7 @@
           <a:p>
             <a:fld id="{B3E85FA4-0BF1-4624-B558-8D6F7C4705DF}" type="datetimeFigureOut">
               <a:rPr lang="en-US" smtClean="0"/>
-              <a:t>9/25/2012</a:t>
+              <a:t>5/8/2013</a:t>
             </a:fld>
             <a:endParaRPr lang="en-US"/>
           </a:p>
@@ -519,11 +519,11 @@
           <a:p>
             <a:r>
               <a:rPr lang="en-US" dirty="0" smtClean="0"/>
-              <a:t>Bring the KML into Google Earth or notepad to</a:t>
+              <a:t>The KML API is separate</a:t>
             </a:r>
             <a:r>
               <a:rPr lang="en-US" baseline="0" dirty="0" smtClean="0"/>
-              <a:t> see the deep-linked image URL, and either re-use or download.</a:t>
+              <a:t> from the Maps API. But understanding KML helps you know what you can – and can’t – do with it.</a:t>
             </a:r>
             <a:endParaRPr lang="en-US" dirty="0"/>
           </a:p>
@@ -546,7 +546,7 @@
           <a:p>
             <a:fld id="{09332B92-F500-4945-B331-B8D2C13E00CA}" type="slidenum">
               <a:rPr lang="en-US" smtClean="0"/>
-              <a:t>4</a:t>
+              <a:t>2</a:t>
             </a:fld>
             <a:endParaRPr lang="en-US"/>
           </a:p>
@@ -555,7 +555,7 @@
     </p:spTree>
     <p:extLst>
       <p:ext uri="{BB962C8B-B14F-4D97-AF65-F5344CB8AC3E}">
-        <p14:creationId xmlns:p14="http://schemas.microsoft.com/office/powerpoint/2010/main" val="467239664"/>
+        <p14:creationId xmlns:p14="http://schemas.microsoft.com/office/powerpoint/2010/main" val="2451376961"/>
       </p:ext>
     </p:extLst>
   </p:cSld>
@@ -611,7 +611,11 @@
           <a:p>
             <a:r>
               <a:rPr lang="en-US" dirty="0" smtClean="0"/>
-              <a:t>Translation: Google Maps is a frying pan. It’s fast, it’s hot, and you can cook a lot of stuff on it. But you can’t cook a turkey.</a:t>
+              <a:t>Bring the KML into Google Earth or notepad to</a:t>
+            </a:r>
+            <a:r>
+              <a:rPr lang="en-US" baseline="0" dirty="0" smtClean="0"/>
+              <a:t> see the deep-linked image URL, and either re-use or download.</a:t>
             </a:r>
             <a:endParaRPr lang="en-US" dirty="0"/>
           </a:p>
@@ -634,7 +638,7 @@
           <a:p>
             <a:fld id="{09332B92-F500-4945-B331-B8D2C13E00CA}" type="slidenum">
               <a:rPr lang="en-US" smtClean="0"/>
-              <a:t>6</a:t>
+              <a:t>4</a:t>
             </a:fld>
             <a:endParaRPr lang="en-US"/>
           </a:p>
@@ -643,7 +647,7 @@
     </p:spTree>
     <p:extLst>
       <p:ext uri="{BB962C8B-B14F-4D97-AF65-F5344CB8AC3E}">
-        <p14:creationId xmlns:p14="http://schemas.microsoft.com/office/powerpoint/2010/main" val="3403771103"/>
+        <p14:creationId xmlns:p14="http://schemas.microsoft.com/office/powerpoint/2010/main" val="467239664"/>
       </p:ext>
     </p:extLst>
   </p:cSld>
@@ -699,6 +703,94 @@
           <a:p>
             <a:r>
               <a:rPr lang="en-US" dirty="0" smtClean="0"/>
+              <a:t>Translation: Google Maps is a frying pan. It’s fast, it’s hot, and you can cook a lot of stuff on it. But you can’t cook a turkey.</a:t>
+            </a:r>
+            <a:endParaRPr lang="en-US" dirty="0"/>
+          </a:p>
+        </p:txBody>
+      </p:sp>
+      <p:sp>
+        <p:nvSpPr>
+          <p:cNvPr id="4" name="Slide Number Placeholder 3"/>
+          <p:cNvSpPr>
+            <a:spLocks noGrp="1"/>
+          </p:cNvSpPr>
+          <p:nvPr>
+            <p:ph type="sldNum" sz="quarter" idx="10"/>
+          </p:nvPr>
+        </p:nvSpPr>
+        <p:spPr/>
+        <p:txBody>
+          <a:bodyPr/>
+          <a:lstStyle/>
+          <a:p>
+            <a:fld id="{09332B92-F500-4945-B331-B8D2C13E00CA}" type="slidenum">
+              <a:rPr lang="en-US" smtClean="0"/>
+              <a:t>6</a:t>
+            </a:fld>
+            <a:endParaRPr lang="en-US"/>
+          </a:p>
+        </p:txBody>
+      </p:sp>
+    </p:spTree>
+    <p:extLst>
+      <p:ext uri="{BB962C8B-B14F-4D97-AF65-F5344CB8AC3E}">
+        <p14:creationId xmlns:p14="http://schemas.microsoft.com/office/powerpoint/2010/main" val="3403771103"/>
+      </p:ext>
+    </p:extLst>
+  </p:cSld>
+  <p:clrMapOvr>
+    <a:masterClrMapping/>
+  </p:clrMapOvr>
+</p:notes>
+</file>
+
+<file path=ppt/notesSlides/notesSlide4.xml><?xml version="1.0" encoding="utf-8"?>
+<p:notes xmlns:a="http://schemas.openxmlformats.org/drawingml/2006/main" xmlns:r="http://schemas.openxmlformats.org/officeDocument/2006/relationships" xmlns:p="http://schemas.openxmlformats.org/presentationml/2006/main">
+  <p:cSld>
+    <p:spTree>
+      <p:nvGrpSpPr>
+        <p:cNvPr id="1" name=""/>
+        <p:cNvGrpSpPr/>
+        <p:nvPr/>
+      </p:nvGrpSpPr>
+      <p:grpSpPr>
+        <a:xfrm>
+          <a:off x="0" y="0"/>
+          <a:ext cx="0" cy="0"/>
+          <a:chOff x="0" y="0"/>
+          <a:chExt cx="0" cy="0"/>
+        </a:xfrm>
+      </p:grpSpPr>
+      <p:sp>
+        <p:nvSpPr>
+          <p:cNvPr id="2" name="Slide Image Placeholder 1"/>
+          <p:cNvSpPr>
+            <a:spLocks noGrp="1" noRot="1" noChangeAspect="1"/>
+          </p:cNvSpPr>
+          <p:nvPr>
+            <p:ph type="sldImg"/>
+          </p:nvPr>
+        </p:nvSpPr>
+        <p:spPr/>
+      </p:sp>
+      <p:sp>
+        <p:nvSpPr>
+          <p:cNvPr id="3" name="Notes Placeholder 2"/>
+          <p:cNvSpPr>
+            <a:spLocks noGrp="1"/>
+          </p:cNvSpPr>
+          <p:nvPr>
+            <p:ph type="body" idx="1"/>
+          </p:nvPr>
+        </p:nvSpPr>
+        <p:spPr/>
+        <p:txBody>
+          <a:bodyPr/>
+          <a:lstStyle/>
+          <a:p>
+            <a:r>
+              <a:rPr lang="en-US" dirty="0" smtClean="0"/>
               <a:t>Assign this to a variable</a:t>
             </a:r>
             <a:endParaRPr lang="en-US" dirty="0"/>
@@ -732,6 +824,106 @@
     <p:extLst>
       <p:ext uri="{BB962C8B-B14F-4D97-AF65-F5344CB8AC3E}">
         <p14:creationId xmlns:p14="http://schemas.microsoft.com/office/powerpoint/2010/main" val="1989038124"/>
+      </p:ext>
+    </p:extLst>
+  </p:cSld>
+  <p:clrMapOvr>
+    <a:masterClrMapping/>
+  </p:clrMapOvr>
+</p:notes>
+</file>
+
+<file path=ppt/notesSlides/notesSlide5.xml><?xml version="1.0" encoding="utf-8"?>
+<p:notes xmlns:a="http://schemas.openxmlformats.org/drawingml/2006/main" xmlns:r="http://schemas.openxmlformats.org/officeDocument/2006/relationships" xmlns:p="http://schemas.openxmlformats.org/presentationml/2006/main">
+  <p:cSld>
+    <p:spTree>
+      <p:nvGrpSpPr>
+        <p:cNvPr id="1" name=""/>
+        <p:cNvGrpSpPr/>
+        <p:nvPr/>
+      </p:nvGrpSpPr>
+      <p:grpSpPr>
+        <a:xfrm>
+          <a:off x="0" y="0"/>
+          <a:ext cx="0" cy="0"/>
+          <a:chOff x="0" y="0"/>
+          <a:chExt cx="0" cy="0"/>
+        </a:xfrm>
+      </p:grpSpPr>
+      <p:sp>
+        <p:nvSpPr>
+          <p:cNvPr id="2" name="Slide Image Placeholder 1"/>
+          <p:cNvSpPr>
+            <a:spLocks noGrp="1" noRot="1" noChangeAspect="1"/>
+          </p:cNvSpPr>
+          <p:nvPr>
+            <p:ph type="sldImg"/>
+          </p:nvPr>
+        </p:nvSpPr>
+        <p:spPr/>
+      </p:sp>
+      <p:sp>
+        <p:nvSpPr>
+          <p:cNvPr id="3" name="Notes Placeholder 2"/>
+          <p:cNvSpPr>
+            <a:spLocks noGrp="1"/>
+          </p:cNvSpPr>
+          <p:nvPr>
+            <p:ph type="body" idx="1"/>
+          </p:nvPr>
+        </p:nvSpPr>
+        <p:spPr/>
+        <p:txBody>
+          <a:bodyPr/>
+          <a:lstStyle/>
+          <a:p>
+            <a:r>
+              <a:rPr lang="en-US" dirty="0" smtClean="0"/>
+              <a:t>There is probably a more graceful way to accomplish this with </a:t>
+            </a:r>
+            <a:r>
+              <a:rPr lang="en-US" dirty="0" err="1" smtClean="0"/>
+              <a:t>javascript</a:t>
+            </a:r>
+            <a:r>
+              <a:rPr lang="en-US" dirty="0" smtClean="0"/>
+              <a:t>.</a:t>
+            </a:r>
+            <a:r>
+              <a:rPr lang="en-US" baseline="0" dirty="0" smtClean="0"/>
+              <a:t> But we have to remove all of the overlays first, then add them back in order, if users are going to get what they expect when interacting with the TOC.</a:t>
+            </a:r>
+            <a:endParaRPr lang="en-US" dirty="0"/>
+          </a:p>
+        </p:txBody>
+      </p:sp>
+      <p:sp>
+        <p:nvSpPr>
+          <p:cNvPr id="4" name="Slide Number Placeholder 3"/>
+          <p:cNvSpPr>
+            <a:spLocks noGrp="1"/>
+          </p:cNvSpPr>
+          <p:nvPr>
+            <p:ph type="sldNum" sz="quarter" idx="10"/>
+          </p:nvPr>
+        </p:nvSpPr>
+        <p:spPr/>
+        <p:txBody>
+          <a:bodyPr/>
+          <a:lstStyle/>
+          <a:p>
+            <a:fld id="{09332B92-F500-4945-B331-B8D2C13E00CA}" type="slidenum">
+              <a:rPr lang="en-US" smtClean="0"/>
+              <a:t>12</a:t>
+            </a:fld>
+            <a:endParaRPr lang="en-US"/>
+          </a:p>
+        </p:txBody>
+      </p:sp>
+    </p:spTree>
+    <p:extLst>
+      <p:ext uri="{BB962C8B-B14F-4D97-AF65-F5344CB8AC3E}">
+        <p14:creationId xmlns:p14="http://schemas.microsoft.com/office/powerpoint/2010/main" val="191193979"/>
       </p:ext>
     </p:extLst>
   </p:cSld>
@@ -1033,7 +1225,7 @@
           <a:p>
             <a:fld id="{0E2A55ED-DD07-4463-BF52-CBAFC7E1266F}" type="datetimeFigureOut">
               <a:rPr lang="en-US" smtClean="0"/>
-              <a:t>9/25/2012</a:t>
+              <a:t>5/8/2013</a:t>
             </a:fld>
             <a:endParaRPr lang="en-US"/>
           </a:p>
@@ -1205,7 +1397,7 @@
           <a:p>
             <a:fld id="{0E2A55ED-DD07-4463-BF52-CBAFC7E1266F}" type="datetimeFigureOut">
               <a:rPr lang="en-US" smtClean="0"/>
-              <a:t>9/25/2012</a:t>
+              <a:t>5/8/2013</a:t>
             </a:fld>
             <a:endParaRPr lang="en-US"/>
           </a:p>
@@ -1387,7 +1579,7 @@
           <a:p>
             <a:fld id="{0E2A55ED-DD07-4463-BF52-CBAFC7E1266F}" type="datetimeFigureOut">
               <a:rPr lang="en-US" smtClean="0"/>
-              <a:t>9/25/2012</a:t>
+              <a:t>5/8/2013</a:t>
             </a:fld>
             <a:endParaRPr lang="en-US"/>
           </a:p>
@@ -1564,7 +1756,7 @@
           <a:p>
             <a:fld id="{0E2A55ED-DD07-4463-BF52-CBAFC7E1266F}" type="datetimeFigureOut">
               <a:rPr lang="en-US" smtClean="0"/>
-              <a:t>9/25/2012</a:t>
+              <a:t>5/8/2013</a:t>
             </a:fld>
             <a:endParaRPr lang="en-US"/>
           </a:p>
@@ -1688,7 +1880,7 @@
           <a:p>
             <a:fld id="{0E2A55ED-DD07-4463-BF52-CBAFC7E1266F}" type="datetimeFigureOut">
               <a:rPr lang="en-US" smtClean="0"/>
-              <a:t>9/25/2012</a:t>
+              <a:t>5/8/2013</a:t>
             </a:fld>
             <a:endParaRPr lang="en-US"/>
           </a:p>
@@ -1967,7 +2159,7 @@
           <a:p>
             <a:fld id="{0E2A55ED-DD07-4463-BF52-CBAFC7E1266F}" type="datetimeFigureOut">
               <a:rPr lang="en-US" smtClean="0"/>
-              <a:t>9/25/2012</a:t>
+              <a:t>5/8/2013</a:t>
             </a:fld>
             <a:endParaRPr lang="en-US"/>
           </a:p>
@@ -2236,7 +2428,7 @@
           <a:p>
             <a:fld id="{0E2A55ED-DD07-4463-BF52-CBAFC7E1266F}" type="datetimeFigureOut">
               <a:rPr lang="en-US" smtClean="0"/>
-              <a:t>9/25/2012</a:t>
+              <a:t>5/8/2013</a:t>
             </a:fld>
             <a:endParaRPr lang="en-US"/>
           </a:p>
@@ -2690,7 +2882,7 @@
           <a:p>
             <a:fld id="{0E2A55ED-DD07-4463-BF52-CBAFC7E1266F}" type="datetimeFigureOut">
               <a:rPr lang="en-US" smtClean="0"/>
-              <a:t>9/25/2012</a:t>
+              <a:t>5/8/2013</a:t>
             </a:fld>
             <a:endParaRPr lang="en-US"/>
           </a:p>
@@ -2810,7 +3002,7 @@
           <a:p>
             <a:fld id="{0E2A55ED-DD07-4463-BF52-CBAFC7E1266F}" type="datetimeFigureOut">
               <a:rPr lang="en-US" smtClean="0"/>
-              <a:t>9/25/2012</a:t>
+              <a:t>5/8/2013</a:t>
             </a:fld>
             <a:endParaRPr lang="en-US"/>
           </a:p>
@@ -3067,7 +3259,7 @@
           <a:p>
             <a:fld id="{0E2A55ED-DD07-4463-BF52-CBAFC7E1266F}" type="datetimeFigureOut">
               <a:rPr lang="en-US" smtClean="0"/>
-              <a:t>9/25/2012</a:t>
+              <a:t>5/8/2013</a:t>
             </a:fld>
             <a:endParaRPr lang="en-US"/>
           </a:p>
@@ -3314,7 +3506,7 @@
           <a:p>
             <a:fld id="{0E2A55ED-DD07-4463-BF52-CBAFC7E1266F}" type="datetimeFigureOut">
               <a:rPr lang="en-US" smtClean="0"/>
-              <a:t>9/25/2012</a:t>
+              <a:t>5/8/2013</a:t>
             </a:fld>
             <a:endParaRPr lang="en-US"/>
           </a:p>
@@ -3494,7 +3686,7 @@
           <a:p>
             <a:fld id="{0E2A55ED-DD07-4463-BF52-CBAFC7E1266F}" type="datetimeFigureOut">
               <a:rPr lang="en-US" smtClean="0"/>
-              <a:t>9/25/2012</a:t>
+              <a:t>5/8/2013</a:t>
             </a:fld>
             <a:endParaRPr lang="en-US"/>
           </a:p>
@@ -5682,10 +5874,19 @@
           <a:p>
             <a:r>
               <a:rPr lang="en-US" sz="1800" dirty="0"/>
-              <a:t>Source: http://code.google.com/apis/kml/documentation/kmlelementsinmaps.html</a:t>
-            </a:r>
-          </a:p>
-          <a:p>
+              <a:t>Source: </a:t>
+            </a:r>
+            <a:endParaRPr lang="en-US" sz="1800" dirty="0" smtClean="0"/>
+          </a:p>
+          <a:p>
+            <a:r>
+              <a:rPr lang="en-US" sz="1800" dirty="0" smtClean="0"/>
+              <a:t>https</a:t>
+            </a:r>
+            <a:r>
+              <a:rPr lang="en-US" sz="1800" dirty="0"/>
+              <a:t>://developers.google.com/kml/documentation/kmlelementsinmaps</a:t>
+            </a:r>
             <a:endParaRPr lang="en-US" dirty="0"/>
           </a:p>
         </p:txBody>
@@ -5756,13 +5957,17 @@
         <p:spPr/>
         <p:txBody>
           <a:bodyPr>
-            <a:normAutofit/>
+            <a:normAutofit lnSpcReduction="10000"/>
           </a:bodyPr>
           <a:lstStyle/>
           <a:p>
             <a:r>
               <a:rPr lang="en-US" dirty="0" smtClean="0"/>
-              <a:t>File size: 3 MB (but you </a:t>
+              <a:t>“Fetched” File </a:t>
+            </a:r>
+            <a:r>
+              <a:rPr lang="en-US" dirty="0" smtClean="0"/>
+              <a:t>size: 3 MB (but you </a:t>
             </a:r>
             <a:r>
               <a:rPr lang="en-US" i="1" dirty="0" smtClean="0"/>
@@ -5770,19 +5975,75 @@
             </a:r>
             <a:r>
               <a:rPr lang="en-US" dirty="0" smtClean="0"/>
-              <a:t> use a KMZ)</a:t>
-            </a:r>
-          </a:p>
-          <a:p>
+              <a:t> use a KMZ</a:t>
+            </a:r>
             <a:r>
               <a:rPr lang="en-US" dirty="0" smtClean="0"/>
-              <a:t>Number of features: 1,000</a:t>
-            </a:r>
-          </a:p>
-          <a:p>
+              <a:t>)</a:t>
+            </a:r>
+          </a:p>
+          <a:p>
+            <a:r>
+              <a:rPr lang="en-US" dirty="0"/>
+              <a:t>	</a:t>
+            </a:r>
             <a:r>
               <a:rPr lang="en-US" dirty="0" smtClean="0"/>
-              <a:t>Number of vertices (polygons and polylines): ??</a:t>
+              <a:t>“Uncompressed” file size: 10MB</a:t>
+            </a:r>
+            <a:endParaRPr lang="en-US" dirty="0" smtClean="0"/>
+          </a:p>
+          <a:p>
+            <a:r>
+              <a:rPr lang="en-US" dirty="0" smtClean="0"/>
+              <a:t>Number of features: </a:t>
+            </a:r>
+            <a:r>
+              <a:rPr lang="en-US" dirty="0" smtClean="0"/>
+              <a:t>1,000</a:t>
+            </a:r>
+          </a:p>
+          <a:p>
+            <a:r>
+              <a:rPr lang="en-US" dirty="0" smtClean="0"/>
+              <a:t>Network links: 10</a:t>
+            </a:r>
+            <a:endParaRPr lang="en-US" dirty="0" smtClean="0"/>
+          </a:p>
+          <a:p>
+            <a:r>
+              <a:rPr lang="en-US" dirty="0"/>
+              <a:t>Total layers: 10-20</a:t>
+            </a:r>
+          </a:p>
+          <a:p>
+            <a:r>
+              <a:rPr lang="en-US" dirty="0" smtClean="0"/>
+              <a:t>Number </a:t>
+            </a:r>
+            <a:r>
+              <a:rPr lang="en-US" dirty="0" smtClean="0"/>
+              <a:t>of vertices (</a:t>
+            </a:r>
+            <a:r>
+              <a:rPr lang="en-US" dirty="0" smtClean="0"/>
+              <a:t>polys </a:t>
+            </a:r>
+            <a:r>
+              <a:rPr lang="en-US" dirty="0" smtClean="0"/>
+              <a:t>and </a:t>
+            </a:r>
+            <a:r>
+              <a:rPr lang="en-US" dirty="0" smtClean="0"/>
+              <a:t>lines</a:t>
+            </a:r>
+            <a:r>
+              <a:rPr lang="en-US" dirty="0" smtClean="0"/>
+              <a:t>): </a:t>
+            </a:r>
+            <a:r>
+              <a:rPr lang="en-US" dirty="0" smtClean="0"/>
+              <a:t>??</a:t>
             </a:r>
           </a:p>
           <a:p>
@@ -5792,7 +6053,11 @@
             </a:r>
             <a:r>
               <a:rPr lang="en-US" sz="2000" dirty="0"/>
-              <a:t>: http://code.google.com/apis/kml/documentation/mapsSupport.html</a:t>
+              <a:t>: </a:t>
+            </a:r>
+            <a:r>
+              <a:rPr lang="en-US" sz="2000" dirty="0"/>
+              <a:t>https://developers.google.com/kml/documentation/mapsSupport</a:t>
             </a:r>
             <a:endParaRPr lang="en-US" dirty="0" smtClean="0"/>
           </a:p>
@@ -5847,7 +6112,7 @@
         </p:blipFill>
         <p:spPr bwMode="auto">
           <a:xfrm>
-            <a:off x="5780225" y="4800600"/>
+            <a:off x="7239000" y="1981200"/>
             <a:ext cx="1668780" cy="1773022"/>
           </a:xfrm>
           <a:prstGeom prst="rect">
